--- a/doc/präsi.pptx
+++ b/doc/präsi.pptx
@@ -392,7 +392,7 @@
           <a:p>
             <a:fld id="{2EF58113-C938-4332-AB4E-D30BF8427B06}" type="slidenum">
               <a:rPr lang="en-US" smtClean="0"/>
-              <a:t>‹#›</a:t>
+              <a:t>‹Nr.›</a:t>
             </a:fld>
             <a:endParaRPr lang="en-US"/>
           </a:p>
@@ -600,7 +600,7 @@
           <a:p>
             <a:fld id="{2EF58113-C938-4332-AB4E-D30BF8427B06}" type="slidenum">
               <a:rPr lang="en-US" smtClean="0"/>
-              <a:t>‹#›</a:t>
+              <a:t>‹Nr.›</a:t>
             </a:fld>
             <a:endParaRPr lang="en-US"/>
           </a:p>
@@ -856,7 +856,7 @@
           <a:p>
             <a:fld id="{2EF58113-C938-4332-AB4E-D30BF8427B06}" type="slidenum">
               <a:rPr lang="en-US" smtClean="0"/>
-              <a:t>‹#›</a:t>
+              <a:t>‹Nr.›</a:t>
             </a:fld>
             <a:endParaRPr lang="en-US"/>
           </a:p>
@@ -1030,7 +1030,7 @@
           <a:p>
             <a:fld id="{2EF58113-C938-4332-AB4E-D30BF8427B06}" type="slidenum">
               <a:rPr lang="en-US" smtClean="0"/>
-              <a:t>‹#›</a:t>
+              <a:t>‹Nr.›</a:t>
             </a:fld>
             <a:endParaRPr lang="en-US"/>
           </a:p>
@@ -1373,7 +1373,7 @@
           <a:p>
             <a:fld id="{2EF58113-C938-4332-AB4E-D30BF8427B06}" type="slidenum">
               <a:rPr lang="en-US" smtClean="0"/>
-              <a:t>‹#›</a:t>
+              <a:t>‹Nr.›</a:t>
             </a:fld>
             <a:endParaRPr lang="en-US"/>
           </a:p>
@@ -1648,7 +1648,7 @@
           <a:p>
             <a:fld id="{2EF58113-C938-4332-AB4E-D30BF8427B06}" type="slidenum">
               <a:rPr lang="en-US" smtClean="0"/>
-              <a:t>‹#›</a:t>
+              <a:t>‹Nr.›</a:t>
             </a:fld>
             <a:endParaRPr lang="en-US"/>
           </a:p>
@@ -2027,7 +2027,7 @@
           <a:p>
             <a:fld id="{2EF58113-C938-4332-AB4E-D30BF8427B06}" type="slidenum">
               <a:rPr lang="en-US" smtClean="0"/>
-              <a:t>‹#›</a:t>
+              <a:t>‹Nr.›</a:t>
             </a:fld>
             <a:endParaRPr lang="en-US"/>
           </a:p>
@@ -2145,7 +2145,7 @@
           <a:p>
             <a:fld id="{2EF58113-C938-4332-AB4E-D30BF8427B06}" type="slidenum">
               <a:rPr lang="en-US" smtClean="0"/>
-              <a:t>‹#›</a:t>
+              <a:t>‹Nr.›</a:t>
             </a:fld>
             <a:endParaRPr lang="en-US"/>
           </a:p>
@@ -2324,7 +2324,7 @@
           <a:p>
             <a:fld id="{2EF58113-C938-4332-AB4E-D30BF8427B06}" type="slidenum">
               <a:rPr lang="en-US" smtClean="0"/>
-              <a:t>‹#›</a:t>
+              <a:t>‹Nr.›</a:t>
             </a:fld>
             <a:endParaRPr lang="en-US"/>
           </a:p>
@@ -2691,7 +2691,7 @@
           <a:p>
             <a:fld id="{2EF58113-C938-4332-AB4E-D30BF8427B06}" type="slidenum">
               <a:rPr lang="en-US" smtClean="0"/>
-              <a:t>‹#›</a:t>
+              <a:t>‹Nr.›</a:t>
             </a:fld>
             <a:endParaRPr lang="en-US"/>
           </a:p>
@@ -3049,7 +3049,7 @@
           <a:p>
             <a:fld id="{2EF58113-C938-4332-AB4E-D30BF8427B06}" type="slidenum">
               <a:rPr lang="en-US" smtClean="0"/>
-              <a:t>‹#›</a:t>
+              <a:t>‹Nr.›</a:t>
             </a:fld>
             <a:endParaRPr lang="en-US"/>
           </a:p>
@@ -3368,7 +3368,7 @@
           <a:p>
             <a:fld id="{2EF58113-C938-4332-AB4E-D30BF8427B06}" type="slidenum">
               <a:rPr lang="en-US" smtClean="0"/>
-              <a:t>‹#›</a:t>
+              <a:t>‹Nr.›</a:t>
             </a:fld>
             <a:endParaRPr lang="en-US"/>
           </a:p>
@@ -8188,13 +8188,8 @@
           <a:p>
             <a:r>
               <a:rPr lang="de-DE" dirty="0" smtClean="0"/>
-              <a:t>- Data </a:t>
-            </a:r>
-            <a:r>
-              <a:rPr lang="de-DE" dirty="0" smtClean="0"/>
-              <a:t>Analysis</a:t>
-            </a:r>
-            <a:endParaRPr lang="de-DE" dirty="0" smtClean="0"/>
+              <a:t>- Data Analysis</a:t>
+            </a:r>
           </a:p>
           <a:p>
             <a:r>
@@ -8625,25 +8620,35 @@
           </a:p>
         </p:txBody>
       </p:sp>
-      <p:sp>
-        <p:nvSpPr>
-          <p:cNvPr id="3" name="Content Placeholder 2"/>
-          <p:cNvSpPr>
-            <a:spLocks noGrp="1"/>
-          </p:cNvSpPr>
+      <p:pic>
+        <p:nvPicPr>
+          <p:cNvPr id="4" name="Inhaltsplatzhalter 3"/>
+          <p:cNvPicPr>
+            <a:picLocks noGrp="1" noChangeAspect="1"/>
+          </p:cNvPicPr>
           <p:nvPr>
             <p:ph idx="1"/>
           </p:nvPr>
-        </p:nvSpPr>
-        <p:spPr/>
-        <p:txBody>
-          <a:bodyPr/>
-          <a:lstStyle/>
-          <a:p>
-            <a:endParaRPr lang="en-US"/>
-          </a:p>
-        </p:txBody>
-      </p:sp>
+        </p:nvPicPr>
+        <p:blipFill>
+          <a:blip r:embed="rId2" cstate="print">
+            <a:extLst>
+              <a:ext uri="{28A0092B-C50C-407E-A947-70E740481C1C}">
+                <a14:useLocalDpi xmlns:a14="http://schemas.microsoft.com/office/drawing/2010/main" val="0"/>
+              </a:ext>
+            </a:extLst>
+          </a:blip>
+          <a:stretch>
+            <a:fillRect/>
+          </a:stretch>
+        </p:blipFill>
+        <p:spPr>
+          <a:xfrm>
+            <a:off x="1196492" y="2009537"/>
+            <a:ext cx="6481892" cy="3543615"/>
+          </a:xfrm>
+        </p:spPr>
+      </p:pic>
     </p:spTree>
     <p:extLst>
       <p:ext uri="{BB962C8B-B14F-4D97-AF65-F5344CB8AC3E}">
